--- a/Documentacion/Presentación.pptx
+++ b/Documentacion/Presentación.pptx
@@ -251,7 +251,7 @@
   </p:defaultTextStyle>
   <p:extLst>
     <p:ext uri="{EFAFB233-063F-42B5-8137-9DF3F51BA10A}">
-      <p15:sldGuideLst xmlns:p15="http://schemas.microsoft.com/office/powerpoint/2012/main" xmlns:p14="http://schemas.microsoft.com/office/powerpoint/2010/main" xmlns:com="http://schemas.openxmlformats.org/drawingml/2006/compatibility" xmlns:pvml="urn:schemas-microsoft-com:office:powerpoint" xmlns:v="urn:schemas-microsoft-com:vml" xmlns:o="urn:schemas-microsoft-com:office:office" xmlns:dgm="http://schemas.openxmlformats.org/drawingml/2006/diagram" xmlns:c="http://schemas.openxmlformats.org/drawingml/2006/chart" xmlns:mv="urn:schemas-microsoft-com:mac:vml" xmlns:mc="http://schemas.openxmlformats.org/markup-compatibility/2006" xmlns="">
+      <p15:sldGuideLst xmlns="" xmlns:mc="http://schemas.openxmlformats.org/markup-compatibility/2006" xmlns:mv="urn:schemas-microsoft-com:mac:vml" xmlns:c="http://schemas.openxmlformats.org/drawingml/2006/chart" xmlns:dgm="http://schemas.openxmlformats.org/drawingml/2006/diagram" xmlns:o="urn:schemas-microsoft-com:office:office" xmlns:v="urn:schemas-microsoft-com:vml" xmlns:pvml="urn:schemas-microsoft-com:office:powerpoint" xmlns:com="http://schemas.openxmlformats.org/drawingml/2006/compatibility" xmlns:p14="http://schemas.microsoft.com/office/powerpoint/2010/main" xmlns:p15="http://schemas.microsoft.com/office/powerpoint/2012/main">
         <p15:guide id="1" orient="horz" pos="2160">
           <p15:clr>
             <a:srgbClr val="A4A3A4"/>
@@ -265,7 +265,7 @@
       </p15:sldGuideLst>
     </p:ext>
     <p:ext uri="http://customooxmlschemas.google.com/">
-      <go:slidesCustomData xmlns:go="http://customooxmlschemas.google.com/" xmlns:p15="http://schemas.microsoft.com/office/powerpoint/2012/main" xmlns:p14="http://schemas.microsoft.com/office/powerpoint/2010/main" xmlns:com="http://schemas.openxmlformats.org/drawingml/2006/compatibility" xmlns:pvml="urn:schemas-microsoft-com:office:powerpoint" xmlns:v="urn:schemas-microsoft-com:vml" xmlns:o="urn:schemas-microsoft-com:office:office" xmlns:dgm="http://schemas.openxmlformats.org/drawingml/2006/diagram" xmlns:c="http://schemas.openxmlformats.org/drawingml/2006/chart" xmlns:mv="urn:schemas-microsoft-com:mac:vml" xmlns:mc="http://schemas.openxmlformats.org/markup-compatibility/2006" xmlns="" r:id="rId16" roundtripDataSignature="AMtx7mjHeALaXoxOaEArQ45VG6v/E8UenQ=="/>
+      <go:slidesCustomData xmlns="" xmlns:mc="http://schemas.openxmlformats.org/markup-compatibility/2006" xmlns:mv="urn:schemas-microsoft-com:mac:vml" xmlns:c="http://schemas.openxmlformats.org/drawingml/2006/chart" xmlns:dgm="http://schemas.openxmlformats.org/drawingml/2006/diagram" xmlns:o="urn:schemas-microsoft-com:office:office" xmlns:v="urn:schemas-microsoft-com:vml" xmlns:pvml="urn:schemas-microsoft-com:office:powerpoint" xmlns:com="http://schemas.openxmlformats.org/drawingml/2006/compatibility" xmlns:p14="http://schemas.microsoft.com/office/powerpoint/2010/main" xmlns:p15="http://schemas.microsoft.com/office/powerpoint/2012/main" xmlns:go="http://customooxmlschemas.google.com/" r:id="rId16" roundtripDataSignature="AMtx7mjHeALaXoxOaEArQ45VG6v/E8UenQ=="/>
     </p:ext>
   </p:extLst>
 </p:presentation>
@@ -18198,19 +18198,19 @@
       </p:sp>
       <p:pic>
         <p:nvPicPr>
-          <p:cNvPr id="5" name="4 Imagen"/>
+          <p:cNvPr id="6" name="5 Imagen"/>
           <p:cNvPicPr/>
           <p:nvPr/>
         </p:nvPicPr>
         <p:blipFill rotWithShape="1">
           <a:blip r:embed="rId4"/>
-          <a:srcRect l="8768" t="20523" r="2307" b="28307"/>
+          <a:srcRect l="4923" t="20249" r="3693" b="28308"/>
           <a:stretch/>
         </p:blipFill>
         <p:spPr bwMode="auto">
           <a:xfrm>
-            <a:off x="377372" y="1364344"/>
-            <a:ext cx="11625942" cy="4746170"/>
+            <a:off x="870857" y="1451429"/>
+            <a:ext cx="10668000" cy="4688114"/>
           </a:xfrm>
           <a:prstGeom prst="rect">
             <a:avLst/>
